--- a/slides/Variables.pptx
+++ b/slides/Variables.pptx
@@ -3639,7 +3639,7 @@
           <a:p>
             <a:fld id="{5CD355BF-63D3-0949-8371-F4B720888E13}" type="datetimeFigureOut">
               <a:rPr lang="en-US" smtClean="0"/>
-              <a:t>8/11/18</a:t>
+              <a:t>8/12/18</a:t>
             </a:fld>
             <a:endParaRPr lang="en-US"/>
           </a:p>
@@ -3957,7 +3957,11 @@
             </a:r>
             <a:r>
               <a:rPr lang="en-US" baseline="0" dirty="0" smtClean="0"/>
-              <a:t> been removed from lesson plan, but slide 8 could be replaced with this for someone who wanted to teach scope.</a:t>
+              <a:t> been removed from lesson plan, but slide 8 could be replaced with this for someone </a:t>
+            </a:r>
+            <a:r>
+              <a:rPr lang="en-US" baseline="0" smtClean="0"/>
+              <a:t>who wanted to teach scope.</a:t>
             </a:r>
             <a:endParaRPr lang="en-US" dirty="0"/>
           </a:p>
@@ -5211,7 +5215,7 @@
             <a:fld id="{9334D819-9F07-4261-B09B-9E467E5D9002}" type="datetimeFigureOut">
               <a:rPr lang="en-US" smtClean="0"/>
               <a:pPr/>
-              <a:t>8/11/18</a:t>
+              <a:t>8/12/18</a:t>
             </a:fld>
             <a:endParaRPr lang="en-US" dirty="0"/>
           </a:p>
@@ -5445,7 +5449,7 @@
           <a:p>
             <a:fld id="{9334D819-9F07-4261-B09B-9E467E5D9002}" type="datetimeFigureOut">
               <a:rPr lang="en-US" smtClean="0"/>
-              <a:t>8/11/18</a:t>
+              <a:t>8/12/18</a:t>
             </a:fld>
             <a:endParaRPr lang="en-US" dirty="0"/>
           </a:p>
@@ -5620,7 +5624,7 @@
           <a:p>
             <a:fld id="{9334D819-9F07-4261-B09B-9E467E5D9002}" type="datetimeFigureOut">
               <a:rPr lang="en-US" smtClean="0"/>
-              <a:t>8/11/18</a:t>
+              <a:t>8/12/18</a:t>
             </a:fld>
             <a:endParaRPr lang="en-US" dirty="0"/>
           </a:p>
@@ -5785,7 +5789,7 @@
           <a:p>
             <a:fld id="{9334D819-9F07-4261-B09B-9E467E5D9002}" type="datetimeFigureOut">
               <a:rPr lang="en-US" smtClean="0"/>
-              <a:t>8/11/18</a:t>
+              <a:t>8/12/18</a:t>
             </a:fld>
             <a:endParaRPr lang="en-US" dirty="0"/>
           </a:p>
@@ -6057,7 +6061,7 @@
             <a:fld id="{9334D819-9F07-4261-B09B-9E467E5D9002}" type="datetimeFigureOut">
               <a:rPr lang="en-US" smtClean="0"/>
               <a:pPr/>
-              <a:t>8/11/18</a:t>
+              <a:t>8/12/18</a:t>
             </a:fld>
             <a:endParaRPr lang="en-US" dirty="0"/>
           </a:p>
@@ -7254,7 +7258,7 @@
           <a:p>
             <a:fld id="{9334D819-9F07-4261-B09B-9E467E5D9002}" type="datetimeFigureOut">
               <a:rPr lang="en-US" smtClean="0"/>
-              <a:t>8/11/18</a:t>
+              <a:t>8/12/18</a:t>
             </a:fld>
             <a:endParaRPr lang="en-US" dirty="0"/>
           </a:p>
@@ -7639,7 +7643,7 @@
           <a:p>
             <a:fld id="{9334D819-9F07-4261-B09B-9E467E5D9002}" type="datetimeFigureOut">
               <a:rPr lang="en-US" smtClean="0"/>
-              <a:t>8/11/18</a:t>
+              <a:t>8/12/18</a:t>
             </a:fld>
             <a:endParaRPr lang="en-US" dirty="0"/>
           </a:p>
@@ -7757,7 +7761,7 @@
           <a:p>
             <a:fld id="{9334D819-9F07-4261-B09B-9E467E5D9002}" type="datetimeFigureOut">
               <a:rPr lang="en-US" smtClean="0"/>
-              <a:t>8/11/18</a:t>
+              <a:t>8/12/18</a:t>
             </a:fld>
             <a:endParaRPr lang="en-US" dirty="0"/>
           </a:p>
@@ -7847,7 +7851,7 @@
           <a:p>
             <a:fld id="{9334D819-9F07-4261-B09B-9E467E5D9002}" type="datetimeFigureOut">
               <a:rPr lang="en-US" smtClean="0"/>
-              <a:t>8/11/18</a:t>
+              <a:t>8/12/18</a:t>
             </a:fld>
             <a:endParaRPr lang="en-US" dirty="0"/>
           </a:p>
@@ -8605,7 +8609,7 @@
           <a:p>
             <a:fld id="{9334D819-9F07-4261-B09B-9E467E5D9002}" type="datetimeFigureOut">
               <a:rPr lang="en-US" smtClean="0"/>
-              <a:t>8/11/18</a:t>
+              <a:t>8/12/18</a:t>
             </a:fld>
             <a:endParaRPr lang="en-US" dirty="0"/>
           </a:p>
@@ -9440,7 +9444,7 @@
           <a:p>
             <a:fld id="{9334D819-9F07-4261-B09B-9E467E5D9002}" type="datetimeFigureOut">
               <a:rPr lang="en-US" smtClean="0"/>
-              <a:t>8/11/18</a:t>
+              <a:t>8/12/18</a:t>
             </a:fld>
             <a:endParaRPr lang="en-US" dirty="0"/>
           </a:p>
@@ -9663,7 +9667,7 @@
             <a:fld id="{9334D819-9F07-4261-B09B-9E467E5D9002}" type="datetimeFigureOut">
               <a:rPr lang="en-US" smtClean="0"/>
               <a:pPr/>
-              <a:t>8/11/18</a:t>
+              <a:t>8/12/18</a:t>
             </a:fld>
             <a:endParaRPr lang="en-US" dirty="0"/>
           </a:p>
@@ -10698,22 +10702,29 @@
         </p:nvSpPr>
         <p:spPr/>
         <p:txBody>
-          <a:bodyPr/>
+          <a:bodyPr>
+            <a:normAutofit lnSpcReduction="10000"/>
+          </a:bodyPr>
           <a:lstStyle/>
           <a:p>
             <a:r>
-              <a:rPr lang="en-US" dirty="0" smtClean="0"/>
-              <a:t>Slides created by </a:t>
-            </a:r>
-            <a:r>
-              <a:rPr lang="en-US" dirty="0" err="1" smtClean="0"/>
-              <a:t>AnneMarie</a:t>
-            </a:r>
-            <a:r>
-              <a:rPr lang="en-US" dirty="0" smtClean="0"/>
+              <a:rPr lang="en-US" dirty="0"/>
+              <a:t>by </a:t>
+            </a:r>
+            <a:r>
+              <a:rPr lang="en-US" dirty="0" err="1"/>
+              <a:t>annemarie</a:t>
+            </a:r>
+            <a:r>
+              <a:rPr lang="en-US" dirty="0"/>
               <a:t> caballero</a:t>
             </a:r>
-            <a:endParaRPr lang="en-US" dirty="0"/>
+          </a:p>
+          <a:p>
+            <a:r>
+              <a:rPr lang="en-US" dirty="0"/>
+              <a:t>I.T. Girls august 13-17</a:t>
+            </a:r>
           </a:p>
         </p:txBody>
       </p:sp>
@@ -11891,8 +11902,8 @@
         </p:nvSpPr>
         <p:spPr>
           <a:xfrm>
-            <a:off x="7288841" y="2101259"/>
-            <a:ext cx="4600575" cy="2486025"/>
+            <a:off x="7288841" y="1764379"/>
+            <a:ext cx="4600575" cy="2838188"/>
           </a:xfrm>
           <a:prstGeom prst="rect">
             <a:avLst/>
@@ -11931,8 +11942,8 @@
         </p:nvSpPr>
         <p:spPr>
           <a:xfrm>
-            <a:off x="7443623" y="2220886"/>
-            <a:ext cx="4286415" cy="2246769"/>
+            <a:off x="7357117" y="1863796"/>
+            <a:ext cx="4532299" cy="2677656"/>
           </a:xfrm>
           <a:prstGeom prst="rect">
             <a:avLst/>
@@ -11985,7 +11996,15 @@
             </a:r>
             <a:r>
               <a:rPr lang="en-US" sz="2800" dirty="0" smtClean="0"/>
-              <a:t> gives the variable a value (otherwise it’s considered 0, null, </a:t>
+              <a:t> gives the variable a value </a:t>
+            </a:r>
+            <a:r>
+              <a:rPr lang="en-US" sz="2800" u="sng" dirty="0" smtClean="0"/>
+              <a:t>for the first time </a:t>
+            </a:r>
+            <a:r>
+              <a:rPr lang="en-US" sz="2800" dirty="0" smtClean="0"/>
+              <a:t>(otherwise it’s considered 0, null, </a:t>
             </a:r>
             <a:r>
               <a:rPr lang="en-US" sz="2800" dirty="0" err="1" smtClean="0"/>
@@ -11994,6 +12013,28 @@
             <a:r>
               <a:rPr lang="en-US" sz="2800" dirty="0" smtClean="0"/>
               <a:t>)</a:t>
+            </a:r>
+          </a:p>
+          <a:p>
+            <a:r>
+              <a:rPr lang="en-US" sz="2800" dirty="0" smtClean="0">
+                <a:solidFill>
+                  <a:schemeClr val="bg2"/>
+                </a:solidFill>
+              </a:rPr>
+              <a:t>Assign</a:t>
+            </a:r>
+            <a:r>
+              <a:rPr lang="en-US" sz="2800" dirty="0" smtClean="0"/>
+              <a:t> </a:t>
+            </a:r>
+            <a:r>
+              <a:rPr lang="mr-IN" sz="2800" dirty="0" smtClean="0"/>
+              <a:t>–</a:t>
+            </a:r>
+            <a:r>
+              <a:rPr lang="en-US" sz="2800" dirty="0" smtClean="0"/>
+              <a:t> gives variable a value</a:t>
             </a:r>
             <a:endParaRPr lang="en-US" sz="2800" dirty="0"/>
           </a:p>
